--- a/images/Robust-SKAT-Shicheng-Guo-2020-P-MCRI.pptx
+++ b/images/Robust-SKAT-Shicheng-Guo-2020-P-MCRI.pptx
@@ -5653,10 +5653,6 @@
               </a:rPr>
               <a:t>to Multiple Sclerosis</a:t>
             </a:r>
-            <a:endParaRPr lang="en-US" sz="3200" b="1" dirty="0">
-              <a:latin typeface="Arial" panose="020B0604020202020204" pitchFamily="34" charset="0"/>
-              <a:cs typeface="Arial" panose="020B0604020202020204" pitchFamily="34" charset="0"/>
-            </a:endParaRPr>
           </a:p>
         </p:txBody>
       </p:sp>
@@ -5957,10 +5953,6 @@
               </a:rPr>
               <a:t>genes. May be required for replication-independent chromatin assembly</a:t>
             </a:r>
-            <a:endParaRPr lang="en-US" sz="1900" b="1" dirty="0">
-              <a:latin typeface="Arial" panose="020B0604020202020204" pitchFamily="34" charset="0"/>
-              <a:cs typeface="Arial" panose="020B0604020202020204" pitchFamily="34" charset="0"/>
-            </a:endParaRPr>
           </a:p>
         </p:txBody>
       </p:sp>
@@ -6996,14 +6988,7 @@
                 <a:latin typeface="Arial" panose="020B0604020202020204" pitchFamily="34" charset="0"/>
                 <a:cs typeface="Arial" panose="020B0604020202020204" pitchFamily="34" charset="0"/>
               </a:rPr>
-              <a:t>It will suffer inflated type I error if case: control ratio &gt; 1: 99 which is common in large </a:t>
-            </a:r>
-            <a:r>
-              <a:rPr lang="en-US" sz="2000" dirty="0" smtClean="0">
-                <a:latin typeface="Arial" panose="020B0604020202020204" pitchFamily="34" charset="0"/>
-                <a:cs typeface="Arial" panose="020B0604020202020204" pitchFamily="34" charset="0"/>
-              </a:rPr>
-              <a:t>biobank</a:t>
+              <a:t>It will suffer inflated type I error if case: control ratio &gt; 1: 99 which is common in large biobank</a:t>
             </a:r>
           </a:p>
           <a:p>
@@ -10977,6 +10962,13 @@
   <p:clrMapOvr>
     <a:masterClrMapping/>
   </p:clrMapOvr>
+  <p:timing>
+    <p:tnLst>
+      <p:par>
+        <p:cTn id="1" dur="indefinite" restart="never" nodeType="tmRoot"/>
+      </p:par>
+    </p:tnLst>
+  </p:timing>
 </p:sld>
 </file>
 
@@ -11502,7 +11494,7 @@
           <p:spPr>
             <a:xfrm>
               <a:off x="6123886" y="1224600"/>
-              <a:ext cx="4033279" cy="1053690"/>
+              <a:ext cx="4033279" cy="1381504"/>
             </a:xfrm>
             <a:prstGeom prst="rect">
               <a:avLst/>
@@ -11584,8 +11576,35 @@
                     <a:srgbClr val="7030A0"/>
                   </a:solidFill>
                 </a:rPr>
-                <a:t>1K, 2K and 3K genomic regions</a:t>
+                <a:t>1K, 2K and 3K genomic </a:t>
               </a:r>
+              <a:r>
+                <a:rPr lang="en-US" sz="2800" b="1" dirty="0" smtClean="0">
+                  <a:solidFill>
+                    <a:srgbClr val="7030A0"/>
+                  </a:solidFill>
+                </a:rPr>
+                <a:t>regions</a:t>
+              </a:r>
+            </a:p>
+            <a:p>
+              <a:pPr marL="285750" indent="-285750">
+                <a:buFont typeface="Wingdings" panose="05000000000000000000" pitchFamily="2" charset="2"/>
+                <a:buChar char="Ø"/>
+              </a:pPr>
+              <a:r>
+                <a:rPr lang="en-US" sz="2800" b="1" dirty="0" smtClean="0">
+                  <a:solidFill>
+                    <a:srgbClr val="7030A0"/>
+                  </a:solidFill>
+                </a:rPr>
+                <a:t>Alternative: 3-8-2 / 3-1-0 rule</a:t>
+              </a:r>
+              <a:endParaRPr lang="en-US" sz="2800" b="1" dirty="0" smtClean="0">
+                <a:solidFill>
+                  <a:srgbClr val="7030A0"/>
+                </a:solidFill>
+              </a:endParaRPr>
             </a:p>
           </p:txBody>
         </p:sp>
@@ -11636,6 +11655,13 @@
   <p:clrMapOvr>
     <a:masterClrMapping/>
   </p:clrMapOvr>
+  <p:timing>
+    <p:tnLst>
+      <p:par>
+        <p:cTn id="1" dur="indefinite" restart="never" nodeType="tmRoot"/>
+      </p:par>
+    </p:tnLst>
+  </p:timing>
 </p:sld>
 </file>
 
@@ -11946,6 +11972,13 @@
   <p:clrMapOvr>
     <a:masterClrMapping/>
   </p:clrMapOvr>
+  <p:timing>
+    <p:tnLst>
+      <p:par>
+        <p:cTn id="1" dur="indefinite" restart="never" nodeType="tmRoot"/>
+      </p:par>
+    </p:tnLst>
+  </p:timing>
 </p:sld>
 </file>
 

--- a/images/Robust-SKAT-Shicheng-Guo-2020-P-MCRI.pptx
+++ b/images/Robust-SKAT-Shicheng-Guo-2020-P-MCRI.pptx
@@ -11645,6 +11645,142 @@
           </a:fontRef>
         </p:style>
       </p:cxnSp>
+      <p:sp>
+        <p:nvSpPr>
+          <p:cNvPr id="19" name="TextBox 18"/>
+          <p:cNvSpPr txBox="1"/>
+          <p:nvPr/>
+        </p:nvSpPr>
+        <p:spPr>
+          <a:xfrm>
+            <a:off x="4349459" y="2898767"/>
+            <a:ext cx="2563266" cy="338554"/>
+          </a:xfrm>
+          <a:prstGeom prst="rect">
+            <a:avLst/>
+          </a:prstGeom>
+          <a:noFill/>
+        </p:spPr>
+        <p:txBody>
+          <a:bodyPr wrap="none" rtlCol="0">
+            <a:spAutoFit/>
+          </a:bodyPr>
+          <a:lstStyle/>
+          <a:p>
+            <a:r>
+              <a:rPr lang="en-US" sz="1600" b="1" dirty="0">
+                <a:solidFill>
+                  <a:schemeClr val="accent6">
+                    <a:lumMod val="50000"/>
+                  </a:schemeClr>
+                </a:solidFill>
+              </a:rPr>
+              <a:t>c</a:t>
+            </a:r>
+            <a:r>
+              <a:rPr lang="en-US" sz="1600" b="1" dirty="0" smtClean="0">
+                <a:solidFill>
+                  <a:schemeClr val="accent6">
+                    <a:lumMod val="50000"/>
+                  </a:schemeClr>
+                </a:solidFill>
+              </a:rPr>
+              <a:t>alibrated coalescent model</a:t>
+            </a:r>
+            <a:endParaRPr lang="en-US" sz="1600" b="1" dirty="0">
+              <a:solidFill>
+                <a:schemeClr val="accent6">
+                  <a:lumMod val="50000"/>
+                </a:schemeClr>
+              </a:solidFill>
+            </a:endParaRPr>
+          </a:p>
+        </p:txBody>
+      </p:sp>
+      <p:sp>
+        <p:nvSpPr>
+          <p:cNvPr id="25" name="TextBox 24"/>
+          <p:cNvSpPr txBox="1"/>
+          <p:nvPr/>
+        </p:nvSpPr>
+        <p:spPr>
+          <a:xfrm>
+            <a:off x="1850710" y="2893023"/>
+            <a:ext cx="821059" cy="338554"/>
+          </a:xfrm>
+          <a:prstGeom prst="rect">
+            <a:avLst/>
+          </a:prstGeom>
+          <a:noFill/>
+        </p:spPr>
+        <p:txBody>
+          <a:bodyPr wrap="none" rtlCol="0">
+            <a:spAutoFit/>
+          </a:bodyPr>
+          <a:lstStyle/>
+          <a:p>
+            <a:r>
+              <a:rPr lang="en-US" sz="1600" b="1" dirty="0" smtClean="0">
+                <a:solidFill>
+                  <a:schemeClr val="accent6">
+                    <a:lumMod val="50000"/>
+                  </a:schemeClr>
+                </a:solidFill>
+              </a:rPr>
+              <a:t>Normal</a:t>
+            </a:r>
+            <a:endParaRPr lang="en-US" sz="1600" b="1" dirty="0">
+              <a:solidFill>
+                <a:schemeClr val="accent6">
+                  <a:lumMod val="50000"/>
+                </a:schemeClr>
+              </a:solidFill>
+            </a:endParaRPr>
+          </a:p>
+        </p:txBody>
+      </p:sp>
+      <p:sp>
+        <p:nvSpPr>
+          <p:cNvPr id="27" name="TextBox 26"/>
+          <p:cNvSpPr txBox="1"/>
+          <p:nvPr/>
+        </p:nvSpPr>
+        <p:spPr>
+          <a:xfrm>
+            <a:off x="3161746" y="2886307"/>
+            <a:ext cx="957313" cy="338554"/>
+          </a:xfrm>
+          <a:prstGeom prst="rect">
+            <a:avLst/>
+          </a:prstGeom>
+          <a:noFill/>
+        </p:spPr>
+        <p:txBody>
+          <a:bodyPr wrap="none" rtlCol="0">
+            <a:spAutoFit/>
+          </a:bodyPr>
+          <a:lstStyle/>
+          <a:p>
+            <a:r>
+              <a:rPr lang="en-US" sz="1600" b="1" dirty="0" smtClean="0">
+                <a:solidFill>
+                  <a:schemeClr val="accent6">
+                    <a:lumMod val="50000"/>
+                  </a:schemeClr>
+                </a:solidFill>
+              </a:rPr>
+              <a:t>Bernoulli</a:t>
+            </a:r>
+            <a:endParaRPr lang="en-US" sz="1600" b="1" dirty="0">
+              <a:solidFill>
+                <a:schemeClr val="accent6">
+                  <a:lumMod val="50000"/>
+                </a:schemeClr>
+              </a:solidFill>
+            </a:endParaRPr>
+          </a:p>
+        </p:txBody>
+      </p:sp>
     </p:spTree>
     <p:extLst>
       <p:ext uri="{BB962C8B-B14F-4D97-AF65-F5344CB8AC3E}">
